--- a/C# 8.0.pptx
+++ b/C# 8.0.pptx
@@ -325,7 +325,7 @@
           <a:p>
             <a:fld id="{C0A488A5-B519-4B90-92F4-B209740CFC66}" type="datetimeFigureOut">
               <a:rPr lang="en-US" smtClean="0"/>
-              <a:t>8/13/2019</a:t>
+              <a:t>8/14/2019</a:t>
             </a:fld>
             <a:endParaRPr lang="en-US"/>
           </a:p>
@@ -623,7 +623,7 @@
           <a:p>
             <a:fld id="{C0A488A5-B519-4B90-92F4-B209740CFC66}" type="datetimeFigureOut">
               <a:rPr lang="en-US" smtClean="0"/>
-              <a:t>8/13/2019</a:t>
+              <a:t>8/14/2019</a:t>
             </a:fld>
             <a:endParaRPr lang="en-US"/>
           </a:p>
@@ -815,7 +815,7 @@
           <a:p>
             <a:fld id="{C0A488A5-B519-4B90-92F4-B209740CFC66}" type="datetimeFigureOut">
               <a:rPr lang="en-US" smtClean="0"/>
-              <a:t>8/13/2019</a:t>
+              <a:t>8/14/2019</a:t>
             </a:fld>
             <a:endParaRPr lang="en-US"/>
           </a:p>
@@ -1076,7 +1076,7 @@
           <a:p>
             <a:fld id="{C0A488A5-B519-4B90-92F4-B209740CFC66}" type="datetimeFigureOut">
               <a:rPr lang="en-US" smtClean="0"/>
-              <a:t>8/13/2019</a:t>
+              <a:t>8/14/2019</a:t>
             </a:fld>
             <a:endParaRPr lang="en-US"/>
           </a:p>
@@ -1500,7 +1500,7 @@
           <a:p>
             <a:fld id="{C0A488A5-B519-4B90-92F4-B209740CFC66}" type="datetimeFigureOut">
               <a:rPr lang="en-US" smtClean="0"/>
-              <a:t>8/13/2019</a:t>
+              <a:t>8/14/2019</a:t>
             </a:fld>
             <a:endParaRPr lang="en-US"/>
           </a:p>
@@ -2037,7 +2037,7 @@
           <a:p>
             <a:fld id="{C0A488A5-B519-4B90-92F4-B209740CFC66}" type="datetimeFigureOut">
               <a:rPr lang="en-US" smtClean="0"/>
-              <a:t>8/13/2019</a:t>
+              <a:t>8/14/2019</a:t>
             </a:fld>
             <a:endParaRPr lang="en-US"/>
           </a:p>
@@ -2901,7 +2901,7 @@
           <a:p>
             <a:fld id="{C0A488A5-B519-4B90-92F4-B209740CFC66}" type="datetimeFigureOut">
               <a:rPr lang="en-US" smtClean="0"/>
-              <a:t>8/13/2019</a:t>
+              <a:t>8/14/2019</a:t>
             </a:fld>
             <a:endParaRPr lang="en-US"/>
           </a:p>
@@ -3071,7 +3071,7 @@
           <a:p>
             <a:fld id="{C0A488A5-B519-4B90-92F4-B209740CFC66}" type="datetimeFigureOut">
               <a:rPr lang="en-US" smtClean="0"/>
-              <a:t>8/13/2019</a:t>
+              <a:t>8/14/2019</a:t>
             </a:fld>
             <a:endParaRPr lang="en-US"/>
           </a:p>
@@ -3255,7 +3255,7 @@
           <a:p>
             <a:fld id="{C0A488A5-B519-4B90-92F4-B209740CFC66}" type="datetimeFigureOut">
               <a:rPr lang="en-US" smtClean="0"/>
-              <a:t>8/13/2019</a:t>
+              <a:t>8/14/2019</a:t>
             </a:fld>
             <a:endParaRPr lang="en-US"/>
           </a:p>
@@ -3425,7 +3425,7 @@
           <a:p>
             <a:fld id="{C0A488A5-B519-4B90-92F4-B209740CFC66}" type="datetimeFigureOut">
               <a:rPr lang="en-US" smtClean="0"/>
-              <a:t>8/13/2019</a:t>
+              <a:t>8/14/2019</a:t>
             </a:fld>
             <a:endParaRPr lang="en-US"/>
           </a:p>
@@ -3669,7 +3669,7 @@
           <a:p>
             <a:fld id="{C0A488A5-B519-4B90-92F4-B209740CFC66}" type="datetimeFigureOut">
               <a:rPr lang="en-US" smtClean="0"/>
-              <a:t>8/13/2019</a:t>
+              <a:t>8/14/2019</a:t>
             </a:fld>
             <a:endParaRPr lang="en-US"/>
           </a:p>
@@ -3905,7 +3905,7 @@
           <a:p>
             <a:fld id="{C0A488A5-B519-4B90-92F4-B209740CFC66}" type="datetimeFigureOut">
               <a:rPr lang="en-US" smtClean="0"/>
-              <a:t>8/13/2019</a:t>
+              <a:t>8/14/2019</a:t>
             </a:fld>
             <a:endParaRPr lang="en-US"/>
           </a:p>
@@ -4371,7 +4371,7 @@
           <a:p>
             <a:fld id="{C0A488A5-B519-4B90-92F4-B209740CFC66}" type="datetimeFigureOut">
               <a:rPr lang="en-US" smtClean="0"/>
-              <a:t>8/13/2019</a:t>
+              <a:t>8/14/2019</a:t>
             </a:fld>
             <a:endParaRPr lang="en-US"/>
           </a:p>
@@ -4489,7 +4489,7 @@
           <a:p>
             <a:fld id="{C0A488A5-B519-4B90-92F4-B209740CFC66}" type="datetimeFigureOut">
               <a:rPr lang="en-US" smtClean="0"/>
-              <a:t>8/13/2019</a:t>
+              <a:t>8/14/2019</a:t>
             </a:fld>
             <a:endParaRPr lang="en-US"/>
           </a:p>
@@ -4584,7 +4584,7 @@
           <a:p>
             <a:fld id="{C0A488A5-B519-4B90-92F4-B209740CFC66}" type="datetimeFigureOut">
               <a:rPr lang="en-US" smtClean="0"/>
-              <a:t>8/13/2019</a:t>
+              <a:t>8/14/2019</a:t>
             </a:fld>
             <a:endParaRPr lang="en-US"/>
           </a:p>
@@ -4839,7 +4839,7 @@
           <a:p>
             <a:fld id="{C0A488A5-B519-4B90-92F4-B209740CFC66}" type="datetimeFigureOut">
               <a:rPr lang="en-US" smtClean="0"/>
-              <a:t>8/13/2019</a:t>
+              <a:t>8/14/2019</a:t>
             </a:fld>
             <a:endParaRPr lang="en-US"/>
           </a:p>
@@ -5139,7 +5139,7 @@
           <a:p>
             <a:fld id="{C0A488A5-B519-4B90-92F4-B209740CFC66}" type="datetimeFigureOut">
               <a:rPr lang="en-US" smtClean="0"/>
-              <a:t>8/13/2019</a:t>
+              <a:t>8/14/2019</a:t>
             </a:fld>
             <a:endParaRPr lang="en-US"/>
           </a:p>
@@ -5373,7 +5373,7 @@
           <a:p>
             <a:fld id="{C0A488A5-B519-4B90-92F4-B209740CFC66}" type="datetimeFigureOut">
               <a:rPr lang="en-US" smtClean="0"/>
-              <a:t>8/13/2019</a:t>
+              <a:t>8/14/2019</a:t>
             </a:fld>
             <a:endParaRPr lang="en-US"/>
           </a:p>
@@ -7157,23 +7157,7 @@
             </a:br>
             <a:r>
               <a:rPr lang="en-US" dirty="0"/>
-              <a:t>    &lt;</a:t>
-            </a:r>
-            <a:r>
-              <a:rPr lang="en-US" dirty="0" err="1"/>
-              <a:t>NullableContextOptions</a:t>
-            </a:r>
-            <a:r>
-              <a:rPr lang="en-US" dirty="0"/>
-              <a:t>&gt;enable&lt;/</a:t>
-            </a:r>
-            <a:r>
-              <a:rPr lang="en-US" dirty="0" err="1"/>
-              <a:t>NullableContextOptions</a:t>
-            </a:r>
-            <a:r>
-              <a:rPr lang="en-US" dirty="0"/>
-              <a:t>&gt;</a:t>
+              <a:t>    &lt;Nullable&gt;enable&lt;/Nullable&gt;</a:t>
             </a:r>
           </a:p>
           <a:p>
@@ -7897,23 +7881,7 @@
           <a:p>
             <a:r>
               <a:rPr lang="en-US" sz="1400" dirty="0"/>
-              <a:t>&lt;</a:t>
-            </a:r>
-            <a:r>
-              <a:rPr lang="en-US" sz="1400" dirty="0" err="1"/>
-              <a:t>NullableContextOptions</a:t>
-            </a:r>
-            <a:r>
-              <a:rPr lang="en-US" sz="1400" dirty="0"/>
-              <a:t>&gt;enable&lt;/</a:t>
-            </a:r>
-            <a:r>
-              <a:rPr lang="en-US" sz="1400" dirty="0" err="1"/>
-              <a:t>NullableContextOptions</a:t>
-            </a:r>
-            <a:r>
-              <a:rPr lang="en-US" sz="1400" dirty="0"/>
-              <a:t>&gt;</a:t>
+              <a:t>&lt;Nullable&gt;enable&lt;/Nullable&gt;</a:t>
             </a:r>
             <a:endParaRPr lang="ro-RO" sz="1400" dirty="0"/>
           </a:p>

--- a/C# 8.0.pptx
+++ b/C# 8.0.pptx
@@ -35,6 +35,9 @@
     <p:sldId id="281" r:id="rId29"/>
     <p:sldId id="283" r:id="rId30"/>
     <p:sldId id="282" r:id="rId31"/>
+    <p:sldId id="290" r:id="rId32"/>
+    <p:sldId id="291" r:id="rId33"/>
+    <p:sldId id="292" r:id="rId34"/>
   </p:sldIdLst>
   <p:sldSz cx="12192000" cy="6858000"/>
   <p:notesSz cx="6858000" cy="9144000"/>
@@ -10655,6 +10658,275 @@
 </p:sld>
 </file>
 
+<file path=ppt/slides/slide31.xml><?xml version="1.0" encoding="utf-8"?>
+<p:sld xmlns:a="http://schemas.openxmlformats.org/drawingml/2006/main" xmlns:r="http://schemas.openxmlformats.org/officeDocument/2006/relationships" xmlns:p="http://schemas.openxmlformats.org/presentationml/2006/main">
+  <p:cSld>
+    <p:spTree>
+      <p:nvGrpSpPr>
+        <p:cNvPr id="1" name=""/>
+        <p:cNvGrpSpPr/>
+        <p:nvPr/>
+      </p:nvGrpSpPr>
+      <p:grpSpPr>
+        <a:xfrm>
+          <a:off x="0" y="0"/>
+          <a:ext cx="0" cy="0"/>
+          <a:chOff x="0" y="0"/>
+          <a:chExt cx="0" cy="0"/>
+        </a:xfrm>
+      </p:grpSpPr>
+      <p:sp>
+        <p:nvSpPr>
+          <p:cNvPr id="2" name="Title 1">
+            <a:extLst>
+              <a:ext uri="{FF2B5EF4-FFF2-40B4-BE49-F238E27FC236}">
+                <a16:creationId xmlns:a16="http://schemas.microsoft.com/office/drawing/2014/main" id="{C5CA6A8E-F7B5-458D-A925-DC9699576D50}"/>
+              </a:ext>
+            </a:extLst>
+          </p:cNvPr>
+          <p:cNvSpPr>
+            <a:spLocks noGrp="1"/>
+          </p:cNvSpPr>
+          <p:nvPr>
+            <p:ph type="title"/>
+          </p:nvPr>
+        </p:nvSpPr>
+        <p:spPr/>
+        <p:txBody>
+          <a:bodyPr/>
+          <a:lstStyle/>
+          <a:p>
+            <a:r>
+              <a:rPr lang="en-US" dirty="0"/>
+              <a:t>Find me on </a:t>
+            </a:r>
+            <a:r>
+              <a:rPr lang="en-US" dirty="0" err="1"/>
+              <a:t>github</a:t>
+            </a:r>
+            <a:endParaRPr lang="en-US" dirty="0"/>
+          </a:p>
+        </p:txBody>
+      </p:sp>
+      <p:sp>
+        <p:nvSpPr>
+          <p:cNvPr id="3" name="Content Placeholder 2">
+            <a:extLst>
+              <a:ext uri="{FF2B5EF4-FFF2-40B4-BE49-F238E27FC236}">
+                <a16:creationId xmlns:a16="http://schemas.microsoft.com/office/drawing/2014/main" id="{C8D3FD79-7568-4E40-8760-42E3163C011B}"/>
+              </a:ext>
+            </a:extLst>
+          </p:cNvPr>
+          <p:cNvSpPr>
+            <a:spLocks noGrp="1"/>
+          </p:cNvSpPr>
+          <p:nvPr>
+            <p:ph idx="1"/>
+          </p:nvPr>
+        </p:nvSpPr>
+        <p:spPr/>
+        <p:txBody>
+          <a:bodyPr/>
+          <a:lstStyle/>
+          <a:p>
+            <a:r>
+              <a:rPr lang="en-US" dirty="0">
+                <a:hlinkClick r:id="rId2"/>
+              </a:rPr>
+              <a:t>https://github.com/PetruRitivoiu/csharp8</a:t>
+            </a:r>
+            <a:endParaRPr lang="en-US" dirty="0"/>
+          </a:p>
+        </p:txBody>
+      </p:sp>
+    </p:spTree>
+    <p:extLst>
+      <p:ext uri="{BB962C8B-B14F-4D97-AF65-F5344CB8AC3E}">
+        <p14:creationId xmlns:p14="http://schemas.microsoft.com/office/powerpoint/2010/main" val="3493154696"/>
+      </p:ext>
+    </p:extLst>
+  </p:cSld>
+  <p:clrMapOvr>
+    <a:masterClrMapping/>
+  </p:clrMapOvr>
+</p:sld>
+</file>
+
+<file path=ppt/slides/slide32.xml><?xml version="1.0" encoding="utf-8"?>
+<p:sld xmlns:a="http://schemas.openxmlformats.org/drawingml/2006/main" xmlns:r="http://schemas.openxmlformats.org/officeDocument/2006/relationships" xmlns:p="http://schemas.openxmlformats.org/presentationml/2006/main">
+  <p:cSld>
+    <p:spTree>
+      <p:nvGrpSpPr>
+        <p:cNvPr id="1" name=""/>
+        <p:cNvGrpSpPr/>
+        <p:nvPr/>
+      </p:nvGrpSpPr>
+      <p:grpSpPr>
+        <a:xfrm>
+          <a:off x="0" y="0"/>
+          <a:ext cx="0" cy="0"/>
+          <a:chOff x="0" y="0"/>
+          <a:chExt cx="0" cy="0"/>
+        </a:xfrm>
+      </p:grpSpPr>
+      <p:sp>
+        <p:nvSpPr>
+          <p:cNvPr id="2" name="Title 1">
+            <a:extLst>
+              <a:ext uri="{FF2B5EF4-FFF2-40B4-BE49-F238E27FC236}">
+                <a16:creationId xmlns:a16="http://schemas.microsoft.com/office/drawing/2014/main" id="{C1D656C2-770A-4F5A-836E-9DBF77F87D3B}"/>
+              </a:ext>
+            </a:extLst>
+          </p:cNvPr>
+          <p:cNvSpPr>
+            <a:spLocks noGrp="1"/>
+          </p:cNvSpPr>
+          <p:nvPr>
+            <p:ph type="title"/>
+          </p:nvPr>
+        </p:nvSpPr>
+        <p:spPr/>
+        <p:txBody>
+          <a:bodyPr/>
+          <a:lstStyle/>
+          <a:p>
+            <a:r>
+              <a:rPr lang="en-US" dirty="0"/>
+              <a:t>Any questions?</a:t>
+            </a:r>
+          </a:p>
+        </p:txBody>
+      </p:sp>
+      <p:sp>
+        <p:nvSpPr>
+          <p:cNvPr id="3" name="Content Placeholder 2">
+            <a:extLst>
+              <a:ext uri="{FF2B5EF4-FFF2-40B4-BE49-F238E27FC236}">
+                <a16:creationId xmlns:a16="http://schemas.microsoft.com/office/drawing/2014/main" id="{50C14C8C-C82D-4225-A693-BB7EC42D51E4}"/>
+              </a:ext>
+            </a:extLst>
+          </p:cNvPr>
+          <p:cNvSpPr>
+            <a:spLocks noGrp="1"/>
+          </p:cNvSpPr>
+          <p:nvPr>
+            <p:ph idx="1"/>
+          </p:nvPr>
+        </p:nvSpPr>
+        <p:spPr/>
+        <p:txBody>
+          <a:bodyPr/>
+          <a:lstStyle/>
+          <a:p>
+            <a:endParaRPr lang="en-US" dirty="0"/>
+          </a:p>
+        </p:txBody>
+      </p:sp>
+    </p:spTree>
+    <p:extLst>
+      <p:ext uri="{BB962C8B-B14F-4D97-AF65-F5344CB8AC3E}">
+        <p14:creationId xmlns:p14="http://schemas.microsoft.com/office/powerpoint/2010/main" val="3911662317"/>
+      </p:ext>
+    </p:extLst>
+  </p:cSld>
+  <p:clrMapOvr>
+    <a:masterClrMapping/>
+  </p:clrMapOvr>
+</p:sld>
+</file>
+
+<file path=ppt/slides/slide33.xml><?xml version="1.0" encoding="utf-8"?>
+<p:sld xmlns:a="http://schemas.openxmlformats.org/drawingml/2006/main" xmlns:r="http://schemas.openxmlformats.org/officeDocument/2006/relationships" xmlns:p="http://schemas.openxmlformats.org/presentationml/2006/main">
+  <p:cSld>
+    <p:spTree>
+      <p:nvGrpSpPr>
+        <p:cNvPr id="1" name=""/>
+        <p:cNvGrpSpPr/>
+        <p:nvPr/>
+      </p:nvGrpSpPr>
+      <p:grpSpPr>
+        <a:xfrm>
+          <a:off x="0" y="0"/>
+          <a:ext cx="0" cy="0"/>
+          <a:chOff x="0" y="0"/>
+          <a:chExt cx="0" cy="0"/>
+        </a:xfrm>
+      </p:grpSpPr>
+      <p:sp>
+        <p:nvSpPr>
+          <p:cNvPr id="2" name="Title 1">
+            <a:extLst>
+              <a:ext uri="{FF2B5EF4-FFF2-40B4-BE49-F238E27FC236}">
+                <a16:creationId xmlns:a16="http://schemas.microsoft.com/office/drawing/2014/main" id="{8C36D3A3-527E-4B93-824C-A5C17F36AA6B}"/>
+              </a:ext>
+            </a:extLst>
+          </p:cNvPr>
+          <p:cNvSpPr>
+            <a:spLocks noGrp="1"/>
+          </p:cNvSpPr>
+          <p:nvPr>
+            <p:ph type="title"/>
+          </p:nvPr>
+        </p:nvSpPr>
+        <p:spPr/>
+        <p:txBody>
+          <a:bodyPr>
+            <a:normAutofit fontScale="90000"/>
+          </a:bodyPr>
+          <a:lstStyle/>
+          <a:p>
+            <a:r>
+              <a:rPr lang="en-US" dirty="0"/>
+              <a:t>Thank you for your attention, hope you enjoyed </a:t>
+            </a:r>
+            <a:r>
+              <a:rPr lang="en-US" dirty="0">
+                <a:sym typeface="Wingdings" panose="05000000000000000000" pitchFamily="2" charset="2"/>
+              </a:rPr>
+              <a:t></a:t>
+            </a:r>
+            <a:endParaRPr lang="en-US" dirty="0"/>
+          </a:p>
+        </p:txBody>
+      </p:sp>
+      <p:sp>
+        <p:nvSpPr>
+          <p:cNvPr id="3" name="Content Placeholder 2">
+            <a:extLst>
+              <a:ext uri="{FF2B5EF4-FFF2-40B4-BE49-F238E27FC236}">
+                <a16:creationId xmlns:a16="http://schemas.microsoft.com/office/drawing/2014/main" id="{B95C33E9-D8D5-4449-B583-46A128A46D07}"/>
+              </a:ext>
+            </a:extLst>
+          </p:cNvPr>
+          <p:cNvSpPr>
+            <a:spLocks noGrp="1"/>
+          </p:cNvSpPr>
+          <p:nvPr>
+            <p:ph idx="1"/>
+          </p:nvPr>
+        </p:nvSpPr>
+        <p:spPr/>
+        <p:txBody>
+          <a:bodyPr/>
+          <a:lstStyle/>
+          <a:p>
+            <a:endParaRPr lang="en-US" dirty="0"/>
+          </a:p>
+        </p:txBody>
+      </p:sp>
+    </p:spTree>
+    <p:extLst>
+      <p:ext uri="{BB962C8B-B14F-4D97-AF65-F5344CB8AC3E}">
+        <p14:creationId xmlns:p14="http://schemas.microsoft.com/office/powerpoint/2010/main" val="1061485232"/>
+      </p:ext>
+    </p:extLst>
+  </p:cSld>
+  <p:clrMapOvr>
+    <a:masterClrMapping/>
+  </p:clrMapOvr>
+</p:sld>
+</file>
+
 <file path=ppt/slides/slide4.xml><?xml version="1.0" encoding="utf-8"?>
 <p:sld xmlns:a="http://schemas.openxmlformats.org/drawingml/2006/main" xmlns:r="http://schemas.openxmlformats.org/officeDocument/2006/relationships" xmlns:p="http://schemas.openxmlformats.org/presentationml/2006/main">
   <p:cSld>

--- a/C# 8.0.pptx
+++ b/C# 8.0.pptx
@@ -9111,24 +9111,24 @@
           </a:p>
           <a:p>
             <a:r>
-              <a:rPr lang="en-US" dirty="0"/>
-              <a:t>Nullable? =&gt; </a:t>
-            </a:r>
-            <a:r>
               <a:rPr lang="en-US" dirty="0" err="1"/>
               <a:t>NonNullable</a:t>
             </a:r>
-            <a:endParaRPr lang="en-US" dirty="0"/>
-          </a:p>
-          <a:p>
+            <a:r>
+              <a:rPr lang="en-US" dirty="0"/>
+              <a:t>? =&gt; Nullable</a:t>
+            </a:r>
+          </a:p>
+          <a:p>
+            <a:r>
+              <a:rPr lang="en-US"/>
+              <a:t>Nullable =&gt; </a:t>
+            </a:r>
             <a:r>
               <a:rPr lang="en-US" dirty="0" err="1"/>
               <a:t>NonNullable</a:t>
             </a:r>
-            <a:r>
-              <a:rPr lang="en-US" dirty="0"/>
-              <a:t>! =&gt; Nullable</a:t>
-            </a:r>
+            <a:endParaRPr lang="en-US" dirty="0"/>
           </a:p>
         </p:txBody>
       </p:sp>

--- a/C# 8.0.pptx
+++ b/C# 8.0.pptx
@@ -9121,7 +9121,7 @@
           </a:p>
           <a:p>
             <a:r>
-              <a:rPr lang="en-US"/>
+              <a:rPr lang="en-US" dirty="0"/>
               <a:t>Nullable =&gt; </a:t>
             </a:r>
             <a:r>
